--- a/16 - DFD Essencial para cada Capacidade.pptx
+++ b/16 - DFD Essencial para cada Capacidade.pptx
@@ -1453,7 +1453,7 @@
         </p:spPr>
         <p:txBody>
           <a:bodyPr lIns="0" rIns="0" tIns="0" bIns="0">
-            <a:normAutofit fontScale="94000"/>
+            <a:normAutofit/>
           </a:bodyPr>
           <a:p>
             <a:pPr marL="432000" indent="-324000">
@@ -1657,7 +1657,7 @@
         <p:spPr>
           <a:xfrm>
             <a:off x="692640" y="301680"/>
-            <a:ext cx="8692560" cy="1094040"/>
+            <a:ext cx="8692200" cy="1093680"/>
           </a:xfrm>
           <a:prstGeom prst="rect">
             <a:avLst/>
@@ -1683,7 +1683,7 @@
         <p:spPr>
           <a:xfrm>
             <a:off x="159120" y="144000"/>
-            <a:ext cx="2720160" cy="202680"/>
+            <a:ext cx="2719800" cy="202320"/>
           </a:xfrm>
           <a:prstGeom prst="rect">
             <a:avLst/>
@@ -1757,8 +1757,8 @@
         </p:blipFill>
         <p:spPr>
           <a:xfrm>
-            <a:off x="1693440" y="648000"/>
-            <a:ext cx="6646680" cy="4675680"/>
+            <a:off x="1526040" y="560520"/>
+            <a:ext cx="7115040" cy="4572000"/>
           </a:xfrm>
           <a:prstGeom prst="rect">
             <a:avLst/>
@@ -1807,7 +1807,7 @@
         <p:spPr>
           <a:xfrm>
             <a:off x="159480" y="144000"/>
-            <a:ext cx="2846520" cy="202680"/>
+            <a:ext cx="2846160" cy="202320"/>
           </a:xfrm>
           <a:prstGeom prst="rect">
             <a:avLst/>
@@ -1882,7 +1882,7 @@
         <p:spPr>
           <a:xfrm>
             <a:off x="3381480" y="1224000"/>
-            <a:ext cx="3285000" cy="3396240"/>
+            <a:ext cx="3284640" cy="3395880"/>
           </a:xfrm>
           <a:prstGeom prst="rect">
             <a:avLst/>
@@ -1931,7 +1931,7 @@
         <p:spPr>
           <a:xfrm>
             <a:off x="159480" y="144000"/>
-            <a:ext cx="2846520" cy="202680"/>
+            <a:ext cx="2846160" cy="202320"/>
           </a:xfrm>
           <a:prstGeom prst="rect">
             <a:avLst/>
@@ -2006,7 +2006,7 @@
         <p:spPr>
           <a:xfrm>
             <a:off x="3087360" y="803160"/>
-            <a:ext cx="3932640" cy="4514040"/>
+            <a:ext cx="3932280" cy="4513680"/>
           </a:xfrm>
           <a:prstGeom prst="rect">
             <a:avLst/>
@@ -2055,7 +2055,7 @@
         <p:spPr>
           <a:xfrm>
             <a:off x="159480" y="144000"/>
-            <a:ext cx="2846520" cy="202680"/>
+            <a:ext cx="2846160" cy="202320"/>
           </a:xfrm>
           <a:prstGeom prst="rect">
             <a:avLst/>
@@ -2130,7 +2130,7 @@
         <p:spPr>
           <a:xfrm>
             <a:off x="3130560" y="738720"/>
-            <a:ext cx="3925440" cy="4682520"/>
+            <a:ext cx="3925080" cy="4682160"/>
           </a:xfrm>
           <a:prstGeom prst="rect">
             <a:avLst/>

--- a/16 - DFD Essencial para cada Capacidade.pptx
+++ b/16 - DFD Essencial para cada Capacidade.pptx
@@ -1657,7 +1657,7 @@
         <p:spPr>
           <a:xfrm>
             <a:off x="692640" y="301680"/>
-            <a:ext cx="8692200" cy="1093680"/>
+            <a:ext cx="8691480" cy="1092960"/>
           </a:xfrm>
           <a:prstGeom prst="rect">
             <a:avLst/>
@@ -1683,7 +1683,7 @@
         <p:spPr>
           <a:xfrm>
             <a:off x="159120" y="144000"/>
-            <a:ext cx="2719800" cy="202320"/>
+            <a:ext cx="2719080" cy="201600"/>
           </a:xfrm>
           <a:prstGeom prst="rect">
             <a:avLst/>
@@ -1757,8 +1757,8 @@
         </p:blipFill>
         <p:spPr>
           <a:xfrm>
-            <a:off x="1526040" y="560520"/>
-            <a:ext cx="7115040" cy="4572000"/>
+            <a:off x="1435680" y="487800"/>
+            <a:ext cx="7245000" cy="4839840"/>
           </a:xfrm>
           <a:prstGeom prst="rect">
             <a:avLst/>
@@ -1807,7 +1807,7 @@
         <p:spPr>
           <a:xfrm>
             <a:off x="159480" y="144000"/>
-            <a:ext cx="2846160" cy="202320"/>
+            <a:ext cx="2845440" cy="201600"/>
           </a:xfrm>
           <a:prstGeom prst="rect">
             <a:avLst/>
@@ -1861,7 +1861,7 @@
                 <a:latin typeface="Calibri Light"/>
                 <a:ea typeface="DejaVu Sans"/>
               </a:rPr>
-              <a:t>Capacidade – Tratar Ajuste do Traje a Rigor</a:t>
+              <a:t>Capacidade – Tratar ajuste do Traje a Rigor</a:t>
             </a:r>
             <a:endParaRPr b="0" lang="pt-BR" sz="1000" spc="-1" strike="noStrike">
               <a:latin typeface="Arial"/>
@@ -1882,7 +1882,7 @@
         <p:spPr>
           <a:xfrm>
             <a:off x="3381480" y="1224000"/>
-            <a:ext cx="3284640" cy="3395880"/>
+            <a:ext cx="3283920" cy="3395160"/>
           </a:xfrm>
           <a:prstGeom prst="rect">
             <a:avLst/>
@@ -1931,7 +1931,7 @@
         <p:spPr>
           <a:xfrm>
             <a:off x="159480" y="144000"/>
-            <a:ext cx="2846160" cy="202320"/>
+            <a:ext cx="2845440" cy="201600"/>
           </a:xfrm>
           <a:prstGeom prst="rect">
             <a:avLst/>
@@ -2005,8 +2005,8 @@
         </p:blipFill>
         <p:spPr>
           <a:xfrm>
-            <a:off x="3087360" y="803160"/>
-            <a:ext cx="3932280" cy="4513680"/>
+            <a:off x="520200" y="808200"/>
+            <a:ext cx="9239760" cy="4519440"/>
           </a:xfrm>
           <a:prstGeom prst="rect">
             <a:avLst/>
@@ -2055,7 +2055,7 @@
         <p:spPr>
           <a:xfrm>
             <a:off x="159480" y="144000"/>
-            <a:ext cx="2846160" cy="202320"/>
+            <a:ext cx="2845440" cy="201600"/>
           </a:xfrm>
           <a:prstGeom prst="rect">
             <a:avLst/>
@@ -2089,7 +2089,7 @@
                 <a:latin typeface="Calibri Light"/>
                 <a:ea typeface="DejaVu Sans"/>
               </a:rPr>
-              <a:t>Cenário: Devolver Traje a Rigor</a:t>
+              <a:t>Cenário: Retirar Traje a Rigor</a:t>
             </a:r>
             <a:endParaRPr b="0" lang="pt-BR" sz="1000" spc="-1" strike="noStrike">
               <a:latin typeface="Arial"/>
@@ -2109,7 +2109,7 @@
                 <a:latin typeface="Calibri Light"/>
                 <a:ea typeface="DejaVu Sans"/>
               </a:rPr>
-              <a:t>Capacidade – Tratar devolução do Traje a Rigor</a:t>
+              <a:t>Capacidade – Ajustar Traje a Rigor Emergencial</a:t>
             </a:r>
             <a:endParaRPr b="0" lang="pt-BR" sz="1000" spc="-1" strike="noStrike">
               <a:latin typeface="Arial"/>
@@ -2129,8 +2129,8 @@
         </p:blipFill>
         <p:spPr>
           <a:xfrm>
-            <a:off x="3130560" y="738720"/>
-            <a:ext cx="3925080" cy="4682160"/>
+            <a:off x="3210480" y="1080000"/>
+            <a:ext cx="3773160" cy="3815640"/>
           </a:xfrm>
           <a:prstGeom prst="rect">
             <a:avLst/>

--- a/16 - DFD Essencial para cada Capacidade.pptx
+++ b/16 - DFD Essencial para cada Capacidade.pptx
@@ -9,6 +9,7 @@
     <p:sldId id="257" r:id="rId4"/>
     <p:sldId id="258" r:id="rId5"/>
     <p:sldId id="259" r:id="rId6"/>
+    <p:sldId id="260" r:id="rId7"/>
   </p:sldIdLst>
   <p:sldSz cx="10080625" cy="5670550"/>
   <p:notesSz cx="7559675" cy="10691812"/>
@@ -1453,7 +1454,7 @@
         </p:spPr>
         <p:txBody>
           <a:bodyPr lIns="0" rIns="0" tIns="0" bIns="0">
-            <a:normAutofit/>
+            <a:normAutofit fontScale="94000"/>
           </a:bodyPr>
           <a:p>
             <a:pPr marL="432000" indent="-324000">
@@ -1657,7 +1658,7 @@
         <p:spPr>
           <a:xfrm>
             <a:off x="692640" y="301680"/>
-            <a:ext cx="8691480" cy="1092960"/>
+            <a:ext cx="8690760" cy="1092240"/>
           </a:xfrm>
           <a:prstGeom prst="rect">
             <a:avLst/>
@@ -1683,7 +1684,7 @@
         <p:spPr>
           <a:xfrm>
             <a:off x="159120" y="144000"/>
-            <a:ext cx="2719080" cy="201600"/>
+            <a:ext cx="2718360" cy="200880"/>
           </a:xfrm>
           <a:prstGeom prst="rect">
             <a:avLst/>
@@ -1758,7 +1759,7 @@
         <p:spPr>
           <a:xfrm>
             <a:off x="1435680" y="487800"/>
-            <a:ext cx="7245000" cy="4839840"/>
+            <a:ext cx="7244280" cy="4839120"/>
           </a:xfrm>
           <a:prstGeom prst="rect">
             <a:avLst/>
@@ -1807,7 +1808,7 @@
         <p:spPr>
           <a:xfrm>
             <a:off x="159480" y="144000"/>
-            <a:ext cx="2845440" cy="201600"/>
+            <a:ext cx="2844720" cy="200880"/>
           </a:xfrm>
           <a:prstGeom prst="rect">
             <a:avLst/>
@@ -1882,7 +1883,7 @@
         <p:spPr>
           <a:xfrm>
             <a:off x="3381480" y="1224000"/>
-            <a:ext cx="3283920" cy="3395160"/>
+            <a:ext cx="3283200" cy="3394440"/>
           </a:xfrm>
           <a:prstGeom prst="rect">
             <a:avLst/>
@@ -1931,7 +1932,7 @@
         <p:spPr>
           <a:xfrm>
             <a:off x="159480" y="144000"/>
-            <a:ext cx="2845440" cy="201600"/>
+            <a:ext cx="2844720" cy="200880"/>
           </a:xfrm>
           <a:prstGeom prst="rect">
             <a:avLst/>
@@ -2005,8 +2006,8 @@
         </p:blipFill>
         <p:spPr>
           <a:xfrm>
-            <a:off x="520200" y="808200"/>
-            <a:ext cx="9239760" cy="4519440"/>
+            <a:off x="628200" y="808200"/>
+            <a:ext cx="8945640" cy="4375440"/>
           </a:xfrm>
           <a:prstGeom prst="rect">
             <a:avLst/>
@@ -2055,7 +2056,7 @@
         <p:spPr>
           <a:xfrm>
             <a:off x="159480" y="144000"/>
-            <a:ext cx="2845440" cy="201600"/>
+            <a:ext cx="2844720" cy="200880"/>
           </a:xfrm>
           <a:prstGeom prst="rect">
             <a:avLst/>
@@ -2129,8 +2130,132 @@
         </p:blipFill>
         <p:spPr>
           <a:xfrm>
-            <a:off x="3210480" y="1080000"/>
-            <a:ext cx="3773160" cy="3815640"/>
+            <a:off x="3426480" y="1080000"/>
+            <a:ext cx="3772440" cy="3814920"/>
+          </a:xfrm>
+          <a:prstGeom prst="rect">
+            <a:avLst/>
+          </a:prstGeom>
+          <a:ln>
+            <a:noFill/>
+          </a:ln>
+        </p:spPr>
+      </p:pic>
+    </p:spTree>
+  </p:cSld>
+  <mc:AlternateContent>
+    <mc:Choice Requires="p14">
+      <p:transition spd="slow" p14:dur="2000"/>
+    </mc:Choice>
+    <mc:Fallback>
+      <p:transition spd="slow"/>
+    </mc:Fallback>
+  </mc:AlternateContent>
+</p:sld>
+</file>
+
+<file path=ppt/slides/slide5.xml><?xml version="1.0" encoding="utf-8"?>
+<p:sld xmlns:a="http://schemas.openxmlformats.org/drawingml/2006/main" xmlns:p="http://schemas.openxmlformats.org/presentationml/2006/main" xmlns:r="http://schemas.openxmlformats.org/officeDocument/2006/relationships" xmlns:p14="http://schemas.microsoft.com/office/powerpoint/2010/main" xmlns:p15="http://schemas.microsoft.com/office/powerpoint/2012/main" xmlns:mc="http://schemas.openxmlformats.org/markup-compatibility/2006">
+  <p:cSld>
+    <p:spTree>
+      <p:nvGrpSpPr>
+        <p:cNvPr id="1" name=""/>
+        <p:cNvGrpSpPr/>
+        <p:nvPr/>
+      </p:nvGrpSpPr>
+      <p:grpSpPr>
+        <a:xfrm>
+          <a:off x="0" y="0"/>
+          <a:ext cx="0" cy="0"/>
+          <a:chOff x="0" y="0"/>
+          <a:chExt cx="0" cy="0"/>
+        </a:xfrm>
+      </p:grpSpPr>
+      <p:sp>
+        <p:nvSpPr>
+          <p:cNvPr id="47" name="CustomShape 1"/>
+          <p:cNvSpPr/>
+          <p:nvPr/>
+        </p:nvSpPr>
+        <p:spPr>
+          <a:xfrm>
+            <a:off x="159480" y="144000"/>
+            <a:ext cx="2844720" cy="200880"/>
+          </a:xfrm>
+          <a:prstGeom prst="rect">
+            <a:avLst/>
+          </a:prstGeom>
+          <a:noFill/>
+          <a:ln>
+            <a:noFill/>
+          </a:ln>
+        </p:spPr>
+        <p:style>
+          <a:lnRef idx="0"/>
+          <a:fillRef idx="0"/>
+          <a:effectRef idx="0"/>
+          <a:fontRef idx="minor"/>
+        </p:style>
+        <p:txBody>
+          <a:bodyPr lIns="90000" rIns="90000" tIns="45000" bIns="45000">
+            <a:noAutofit/>
+          </a:bodyPr>
+          <a:p>
+            <a:pPr>
+              <a:lnSpc>
+                <a:spcPct val="90000"/>
+              </a:lnSpc>
+            </a:pPr>
+            <a:r>
+              <a:rPr b="0" lang="pt-BR" sz="1000" spc="-1" strike="noStrike">
+                <a:solidFill>
+                  <a:srgbClr val="000000"/>
+                </a:solidFill>
+                <a:latin typeface="Calibri Light"/>
+                <a:ea typeface="DejaVu Sans"/>
+              </a:rPr>
+              <a:t>Cenário: Devolver Traje a Rigor</a:t>
+            </a:r>
+            <a:endParaRPr b="0" lang="pt-BR" sz="1000" spc="-1" strike="noStrike">
+              <a:latin typeface="Arial"/>
+            </a:endParaRPr>
+          </a:p>
+          <a:p>
+            <a:pPr>
+              <a:lnSpc>
+                <a:spcPct val="90000"/>
+              </a:lnSpc>
+            </a:pPr>
+            <a:r>
+              <a:rPr b="0" lang="pt-BR" sz="1000" spc="-1" strike="noStrike">
+                <a:solidFill>
+                  <a:srgbClr val="000000"/>
+                </a:solidFill>
+                <a:latin typeface="Calibri Light"/>
+                <a:ea typeface="DejaVu Sans"/>
+              </a:rPr>
+              <a:t>Capacidade – Tratar devolução do Traje a Rigor</a:t>
+            </a:r>
+            <a:endParaRPr b="0" lang="pt-BR" sz="1000" spc="-1" strike="noStrike">
+              <a:latin typeface="Arial"/>
+            </a:endParaRPr>
+          </a:p>
+        </p:txBody>
+      </p:sp>
+      <p:pic>
+        <p:nvPicPr>
+          <p:cNvPr id="48" name="" descr=""/>
+          <p:cNvPicPr/>
+          <p:nvPr/>
+        </p:nvPicPr>
+        <p:blipFill>
+          <a:blip r:embed="rId1"/>
+          <a:stretch/>
+        </p:blipFill>
+        <p:spPr>
+          <a:xfrm>
+            <a:off x="3440520" y="628200"/>
+            <a:ext cx="4335480" cy="4545000"/>
           </a:xfrm>
           <a:prstGeom prst="rect">
             <a:avLst/>
